--- a/Numerikus matematika_1.pptx
+++ b/Numerikus matematika_1.pptx
@@ -5,7 +5,7 @@
     <p:sldMasterId id="2147483785" r:id="rId1"/>
   </p:sldMasterIdLst>
   <p:notesMasterIdLst>
-    <p:notesMasterId r:id="rId11"/>
+    <p:notesMasterId r:id="rId15"/>
   </p:notesMasterIdLst>
   <p:sldIdLst>
     <p:sldId id="256" r:id="rId2"/>
@@ -16,7 +16,11 @@
     <p:sldId id="261" r:id="rId7"/>
     <p:sldId id="262" r:id="rId8"/>
     <p:sldId id="264" r:id="rId9"/>
-    <p:sldId id="263" r:id="rId10"/>
+    <p:sldId id="265" r:id="rId10"/>
+    <p:sldId id="266" r:id="rId11"/>
+    <p:sldId id="267" r:id="rId12"/>
+    <p:sldId id="268" r:id="rId13"/>
+    <p:sldId id="263" r:id="rId14"/>
   </p:sldIdLst>
   <p:sldSz cx="12192000" cy="6858000"/>
   <p:notesSz cx="6858000" cy="9144000"/>
@@ -205,7 +209,7 @@
           <a:p>
             <a:fld id="{D49A864C-9622-47B6-B73A-E326A6D61F82}" type="datetimeFigureOut">
               <a:rPr lang="hu-HU" smtClean="0"/>
-              <a:t>2023. 02. 23.</a:t>
+              <a:t>2023. 03. 09.</a:t>
             </a:fld>
             <a:endParaRPr lang="hu-HU"/>
           </a:p>
@@ -876,7 +880,7 @@
           <a:p>
             <a:fld id="{660DDC88-2E69-4A0F-8147-983DE4B8BEF7}" type="datetime1">
               <a:rPr lang="hu-HU" smtClean="0"/>
-              <a:t>2023. 02. 23.</a:t>
+              <a:t>2023. 03. 09.</a:t>
             </a:fld>
             <a:endParaRPr lang="hu-HU"/>
           </a:p>
@@ -1055,7 +1059,7 @@
           <a:p>
             <a:fld id="{4038D887-EA93-4C2C-84BD-B7896494D525}" type="datetime1">
               <a:rPr lang="hu-HU" smtClean="0"/>
-              <a:t>2023. 02. 23.</a:t>
+              <a:t>2023. 03. 09.</a:t>
             </a:fld>
             <a:endParaRPr lang="hu-HU"/>
           </a:p>
@@ -1235,7 +1239,7 @@
           <a:p>
             <a:fld id="{E9151620-3484-45BC-A39B-FE6F63CBFA3E}" type="datetime1">
               <a:rPr lang="hu-HU" smtClean="0"/>
-              <a:t>2023. 02. 23.</a:t>
+              <a:t>2023. 03. 09.</a:t>
             </a:fld>
             <a:endParaRPr lang="hu-HU"/>
           </a:p>
@@ -1405,7 +1409,7 @@
           <a:p>
             <a:fld id="{84A74CD6-53DB-43EF-8DB9-4A2206436213}" type="datetime1">
               <a:rPr lang="hu-HU" smtClean="0"/>
-              <a:t>2023. 02. 23.</a:t>
+              <a:t>2023. 03. 09.</a:t>
             </a:fld>
             <a:endParaRPr lang="hu-HU"/>
           </a:p>
@@ -1718,7 +1722,7 @@
           <a:p>
             <a:fld id="{36ABDB1F-D084-4EA9-9B66-5B722B5AD3CC}" type="datetime1">
               <a:rPr lang="hu-HU" smtClean="0"/>
-              <a:t>2023. 02. 23.</a:t>
+              <a:t>2023. 03. 09.</a:t>
             </a:fld>
             <a:endParaRPr lang="hu-HU"/>
           </a:p>
@@ -2104,7 +2108,7 @@
           <a:p>
             <a:fld id="{C4841FC5-8D2D-4181-BFFA-319AE21A5122}" type="datetime1">
               <a:rPr lang="hu-HU" smtClean="0"/>
-              <a:t>2023. 02. 23.</a:t>
+              <a:t>2023. 03. 09.</a:t>
             </a:fld>
             <a:endParaRPr lang="hu-HU"/>
           </a:p>
@@ -2538,7 +2542,7 @@
           <a:p>
             <a:fld id="{7454111C-3FE4-448B-9CD6-ACF858A1721D}" type="datetime1">
               <a:rPr lang="hu-HU" smtClean="0"/>
-              <a:t>2023. 02. 23.</a:t>
+              <a:t>2023. 03. 09.</a:t>
             </a:fld>
             <a:endParaRPr lang="hu-HU"/>
           </a:p>
@@ -2656,7 +2660,7 @@
           <a:p>
             <a:fld id="{AEA86712-28AE-4F2E-A61E-BBB5D59B680C}" type="datetime1">
               <a:rPr lang="hu-HU" smtClean="0"/>
-              <a:t>2023. 02. 23.</a:t>
+              <a:t>2023. 03. 09.</a:t>
             </a:fld>
             <a:endParaRPr lang="hu-HU"/>
           </a:p>
@@ -2751,7 +2755,7 @@
           <a:p>
             <a:fld id="{59738C36-C3C3-4C45-BEB3-CECBC2D42118}" type="datetime1">
               <a:rPr lang="hu-HU" smtClean="0"/>
-              <a:t>2023. 02. 23.</a:t>
+              <a:t>2023. 03. 09.</a:t>
             </a:fld>
             <a:endParaRPr lang="hu-HU"/>
           </a:p>
@@ -3101,7 +3105,7 @@
           <a:p>
             <a:fld id="{9B54D887-E2E1-45D4-BE01-A51AC42A5980}" type="datetime1">
               <a:rPr lang="hu-HU" smtClean="0"/>
-              <a:t>2023. 02. 23.</a:t>
+              <a:t>2023. 03. 09.</a:t>
             </a:fld>
             <a:endParaRPr lang="hu-HU"/>
           </a:p>
@@ -3526,7 +3530,7 @@
           <a:p>
             <a:fld id="{E3D76696-2F48-414E-BBD0-2D5E5EBD1738}" type="datetime1">
               <a:rPr lang="hu-HU" smtClean="0"/>
-              <a:t>2023. 02. 23.</a:t>
+              <a:t>2023. 03. 09.</a:t>
             </a:fld>
             <a:endParaRPr lang="hu-HU"/>
           </a:p>
@@ -3807,7 +3811,7 @@
           <a:p>
             <a:fld id="{E37A6C88-647F-4EDC-825C-00DBC862F28B}" type="datetime1">
               <a:rPr lang="hu-HU" smtClean="0"/>
-              <a:t>2023. 02. 23.</a:t>
+              <a:t>2023. 03. 09.</a:t>
             </a:fld>
             <a:endParaRPr lang="hu-HU"/>
           </a:p>
@@ -4507,7 +4511,7 @@
                   <a:schemeClr val="bg2"/>
                 </a:solidFill>
               </a:rPr>
-              <a:t>2023. 02. 23.</a:t>
+              <a:t>2023. 03. 09.</a:t>
             </a:fld>
             <a:endParaRPr lang="hu-HU" b="1" dirty="0">
               <a:solidFill>
@@ -4521,6 +4525,748 @@
     <p:extLst>
       <p:ext uri="{BB962C8B-B14F-4D97-AF65-F5344CB8AC3E}">
         <p14:creationId xmlns:p14="http://schemas.microsoft.com/office/powerpoint/2010/main" val="1439908573"/>
+      </p:ext>
+    </p:extLst>
+  </p:cSld>
+  <p:clrMapOvr>
+    <a:masterClrMapping/>
+  </p:clrMapOvr>
+</p:sld>
+</file>
+
+<file path=ppt/slides/slide10.xml><?xml version="1.0" encoding="utf-8"?>
+<p:sld xmlns:a="http://schemas.openxmlformats.org/drawingml/2006/main" xmlns:r="http://schemas.openxmlformats.org/officeDocument/2006/relationships" xmlns:p="http://schemas.openxmlformats.org/presentationml/2006/main">
+  <p:cSld>
+    <p:spTree>
+      <p:nvGrpSpPr>
+        <p:cNvPr id="1" name=""/>
+        <p:cNvGrpSpPr/>
+        <p:nvPr/>
+      </p:nvGrpSpPr>
+      <p:grpSpPr>
+        <a:xfrm>
+          <a:off x="0" y="0"/>
+          <a:ext cx="0" cy="0"/>
+          <a:chOff x="0" y="0"/>
+          <a:chExt cx="0" cy="0"/>
+        </a:xfrm>
+      </p:grpSpPr>
+      <p:sp>
+        <p:nvSpPr>
+          <p:cNvPr id="2" name="Title 1">
+            <a:extLst>
+              <a:ext uri="{FF2B5EF4-FFF2-40B4-BE49-F238E27FC236}">
+                <a16:creationId xmlns:a16="http://schemas.microsoft.com/office/drawing/2014/main" id="{BFBC8B5E-3955-E9A9-87BB-656AEA4E4BF2}"/>
+              </a:ext>
+            </a:extLst>
+          </p:cNvPr>
+          <p:cNvSpPr>
+            <a:spLocks noGrp="1"/>
+          </p:cNvSpPr>
+          <p:nvPr>
+            <p:ph type="title"/>
+          </p:nvPr>
+        </p:nvSpPr>
+        <p:spPr/>
+        <p:txBody>
+          <a:bodyPr/>
+          <a:lstStyle/>
+          <a:p>
+            <a:r>
+              <a:rPr lang="hu-HU" dirty="0"/>
+              <a:t>Lineáris egyenletrendszer megoldása – Cholesky felbontás</a:t>
+            </a:r>
+          </a:p>
+        </p:txBody>
+      </p:sp>
+      <p:sp>
+        <p:nvSpPr>
+          <p:cNvPr id="3" name="Content Placeholder 2">
+            <a:extLst>
+              <a:ext uri="{FF2B5EF4-FFF2-40B4-BE49-F238E27FC236}">
+                <a16:creationId xmlns:a16="http://schemas.microsoft.com/office/drawing/2014/main" id="{37806809-B5ED-0CF8-687A-B6A8F39D0A2F}"/>
+              </a:ext>
+            </a:extLst>
+          </p:cNvPr>
+          <p:cNvSpPr>
+            <a:spLocks noGrp="1"/>
+          </p:cNvSpPr>
+          <p:nvPr>
+            <p:ph idx="1"/>
+          </p:nvPr>
+        </p:nvSpPr>
+        <p:spPr/>
+        <p:txBody>
+          <a:bodyPr/>
+          <a:lstStyle/>
+          <a:p>
+            <a:r>
+              <a:rPr lang="hu-HU" dirty="0"/>
+              <a:t>Ha A </a:t>
+            </a:r>
+            <a:r>
+              <a:rPr lang="hu-HU" u="sng" dirty="0"/>
+              <a:t>hermitikus</a:t>
+            </a:r>
+            <a:r>
+              <a:rPr lang="hu-HU" dirty="0"/>
+              <a:t> </a:t>
+            </a:r>
+            <a:r>
+              <a:rPr lang="hu-HU" u="sng" dirty="0"/>
+              <a:t>pozitív definit</a:t>
+            </a:r>
+            <a:r>
+              <a:rPr lang="hu-HU" dirty="0"/>
+              <a:t> mátrix akkor felbontható a következő képpen.</a:t>
+            </a:r>
+          </a:p>
+          <a:p>
+            <a:endParaRPr lang="hu-HU" dirty="0"/>
+          </a:p>
+          <a:p>
+            <a:endParaRPr lang="hu-HU" b="0" dirty="0"/>
+          </a:p>
+          <a:p>
+            <a:endParaRPr lang="hu-HU" b="0" dirty="0"/>
+          </a:p>
+          <a:p>
+            <a:endParaRPr lang="hu-HU" dirty="0"/>
+          </a:p>
+        </p:txBody>
+      </p:sp>
+      <p:sp>
+        <p:nvSpPr>
+          <p:cNvPr id="4" name="Slide Number Placeholder 3">
+            <a:extLst>
+              <a:ext uri="{FF2B5EF4-FFF2-40B4-BE49-F238E27FC236}">
+                <a16:creationId xmlns:a16="http://schemas.microsoft.com/office/drawing/2014/main" id="{C2A064C7-E67E-41FD-8F0E-5160CF7A4DB5}"/>
+              </a:ext>
+            </a:extLst>
+          </p:cNvPr>
+          <p:cNvSpPr>
+            <a:spLocks noGrp="1"/>
+          </p:cNvSpPr>
+          <p:nvPr>
+            <p:ph type="sldNum" sz="quarter" idx="12"/>
+          </p:nvPr>
+        </p:nvSpPr>
+        <p:spPr/>
+        <p:txBody>
+          <a:bodyPr/>
+          <a:lstStyle/>
+          <a:p>
+            <a:fld id="{DCC9EDC7-5BEA-49F7-AA4B-BFAA57026DF3}" type="slidenum">
+              <a:rPr lang="hu-HU" smtClean="0"/>
+              <a:t>10</a:t>
+            </a:fld>
+            <a:endParaRPr lang="hu-HU"/>
+          </a:p>
+        </p:txBody>
+      </p:sp>
+      <p:pic>
+        <p:nvPicPr>
+          <p:cNvPr id="7" name="Picture 6">
+            <a:extLst>
+              <a:ext uri="{FF2B5EF4-FFF2-40B4-BE49-F238E27FC236}">
+                <a16:creationId xmlns:a16="http://schemas.microsoft.com/office/drawing/2014/main" id="{68CB5C35-807D-9AAD-4323-47A649B91AF5}"/>
+              </a:ext>
+            </a:extLst>
+          </p:cNvPr>
+          <p:cNvPicPr>
+            <a:picLocks noChangeAspect="1"/>
+          </p:cNvPicPr>
+          <p:nvPr/>
+        </p:nvPicPr>
+        <p:blipFill>
+          <a:blip r:embed="rId2"/>
+          <a:stretch>
+            <a:fillRect/>
+          </a:stretch>
+        </p:blipFill>
+        <p:spPr>
+          <a:xfrm>
+            <a:off x="5505366" y="2760699"/>
+            <a:ext cx="1181265" cy="304843"/>
+          </a:xfrm>
+          <a:prstGeom prst="rect">
+            <a:avLst/>
+          </a:prstGeom>
+        </p:spPr>
+      </p:pic>
+      <p:pic>
+        <p:nvPicPr>
+          <p:cNvPr id="14" name="Picture 13">
+            <a:extLst>
+              <a:ext uri="{FF2B5EF4-FFF2-40B4-BE49-F238E27FC236}">
+                <a16:creationId xmlns:a16="http://schemas.microsoft.com/office/drawing/2014/main" id="{32E34364-DBC3-D651-B5D0-193D4BF6F060}"/>
+              </a:ext>
+            </a:extLst>
+          </p:cNvPr>
+          <p:cNvPicPr>
+            <a:picLocks noChangeAspect="1"/>
+          </p:cNvPicPr>
+          <p:nvPr/>
+        </p:nvPicPr>
+        <p:blipFill>
+          <a:blip r:embed="rId3"/>
+          <a:stretch>
+            <a:fillRect/>
+          </a:stretch>
+        </p:blipFill>
+        <p:spPr>
+          <a:xfrm>
+            <a:off x="2343705" y="3291220"/>
+            <a:ext cx="7504586" cy="1437214"/>
+          </a:xfrm>
+          <a:prstGeom prst="rect">
+            <a:avLst/>
+          </a:prstGeom>
+        </p:spPr>
+      </p:pic>
+      <p:pic>
+        <p:nvPicPr>
+          <p:cNvPr id="16" name="Picture 15">
+            <a:extLst>
+              <a:ext uri="{FF2B5EF4-FFF2-40B4-BE49-F238E27FC236}">
+                <a16:creationId xmlns:a16="http://schemas.microsoft.com/office/drawing/2014/main" id="{568CDF5B-0A14-06EA-99B1-6D9DFCDA8DC1}"/>
+              </a:ext>
+            </a:extLst>
+          </p:cNvPr>
+          <p:cNvPicPr>
+            <a:picLocks noChangeAspect="1"/>
+          </p:cNvPicPr>
+          <p:nvPr/>
+        </p:nvPicPr>
+        <p:blipFill>
+          <a:blip r:embed="rId4"/>
+          <a:stretch>
+            <a:fillRect/>
+          </a:stretch>
+        </p:blipFill>
+        <p:spPr>
+          <a:xfrm>
+            <a:off x="4154750" y="4954113"/>
+            <a:ext cx="3882496" cy="1579732"/>
+          </a:xfrm>
+          <a:prstGeom prst="rect">
+            <a:avLst/>
+          </a:prstGeom>
+        </p:spPr>
+      </p:pic>
+    </p:spTree>
+    <p:extLst>
+      <p:ext uri="{BB962C8B-B14F-4D97-AF65-F5344CB8AC3E}">
+        <p14:creationId xmlns:p14="http://schemas.microsoft.com/office/powerpoint/2010/main" val="3129352101"/>
+      </p:ext>
+    </p:extLst>
+  </p:cSld>
+  <p:clrMapOvr>
+    <a:masterClrMapping/>
+  </p:clrMapOvr>
+</p:sld>
+</file>
+
+<file path=ppt/slides/slide11.xml><?xml version="1.0" encoding="utf-8"?>
+<p:sld xmlns:a="http://schemas.openxmlformats.org/drawingml/2006/main" xmlns:r="http://schemas.openxmlformats.org/officeDocument/2006/relationships" xmlns:p="http://schemas.openxmlformats.org/presentationml/2006/main">
+  <p:cSld>
+    <p:spTree>
+      <p:nvGrpSpPr>
+        <p:cNvPr id="1" name=""/>
+        <p:cNvGrpSpPr/>
+        <p:nvPr/>
+      </p:nvGrpSpPr>
+      <p:grpSpPr>
+        <a:xfrm>
+          <a:off x="0" y="0"/>
+          <a:ext cx="0" cy="0"/>
+          <a:chOff x="0" y="0"/>
+          <a:chExt cx="0" cy="0"/>
+        </a:xfrm>
+      </p:grpSpPr>
+      <p:sp>
+        <p:nvSpPr>
+          <p:cNvPr id="2" name="Title 1">
+            <a:extLst>
+              <a:ext uri="{FF2B5EF4-FFF2-40B4-BE49-F238E27FC236}">
+                <a16:creationId xmlns:a16="http://schemas.microsoft.com/office/drawing/2014/main" id="{BFBC8B5E-3955-E9A9-87BB-656AEA4E4BF2}"/>
+              </a:ext>
+            </a:extLst>
+          </p:cNvPr>
+          <p:cNvSpPr>
+            <a:spLocks noGrp="1"/>
+          </p:cNvSpPr>
+          <p:nvPr>
+            <p:ph type="title"/>
+          </p:nvPr>
+        </p:nvSpPr>
+        <p:spPr/>
+        <p:txBody>
+          <a:bodyPr/>
+          <a:lstStyle/>
+          <a:p>
+            <a:r>
+              <a:rPr lang="hu-HU" dirty="0"/>
+              <a:t>Lineáris egyenletrendszer megoldása – LDL* felbontás</a:t>
+            </a:r>
+          </a:p>
+        </p:txBody>
+      </p:sp>
+      <p:sp>
+        <p:nvSpPr>
+          <p:cNvPr id="3" name="Content Placeholder 2">
+            <a:extLst>
+              <a:ext uri="{FF2B5EF4-FFF2-40B4-BE49-F238E27FC236}">
+                <a16:creationId xmlns:a16="http://schemas.microsoft.com/office/drawing/2014/main" id="{37806809-B5ED-0CF8-687A-B6A8F39D0A2F}"/>
+              </a:ext>
+            </a:extLst>
+          </p:cNvPr>
+          <p:cNvSpPr>
+            <a:spLocks noGrp="1"/>
+          </p:cNvSpPr>
+          <p:nvPr>
+            <p:ph idx="1"/>
+          </p:nvPr>
+        </p:nvSpPr>
+        <p:spPr/>
+        <p:txBody>
+          <a:bodyPr/>
+          <a:lstStyle/>
+          <a:p>
+            <a:r>
+              <a:rPr lang="hu-HU" dirty="0"/>
+              <a:t>Egyedi Cholesky felbontás megvalósítása:</a:t>
+            </a:r>
+          </a:p>
+          <a:p>
+            <a:endParaRPr lang="hu-HU" dirty="0"/>
+          </a:p>
+          <a:p>
+            <a:endParaRPr lang="hu-HU" dirty="0"/>
+          </a:p>
+          <a:p>
+            <a:endParaRPr lang="hu-HU" b="0" dirty="0"/>
+          </a:p>
+          <a:p>
+            <a:endParaRPr lang="hu-HU" b="0" dirty="0"/>
+          </a:p>
+          <a:p>
+            <a:endParaRPr lang="hu-HU" dirty="0"/>
+          </a:p>
+        </p:txBody>
+      </p:sp>
+      <p:sp>
+        <p:nvSpPr>
+          <p:cNvPr id="4" name="Slide Number Placeholder 3">
+            <a:extLst>
+              <a:ext uri="{FF2B5EF4-FFF2-40B4-BE49-F238E27FC236}">
+                <a16:creationId xmlns:a16="http://schemas.microsoft.com/office/drawing/2014/main" id="{C2A064C7-E67E-41FD-8F0E-5160CF7A4DB5}"/>
+              </a:ext>
+            </a:extLst>
+          </p:cNvPr>
+          <p:cNvSpPr>
+            <a:spLocks noGrp="1"/>
+          </p:cNvSpPr>
+          <p:nvPr>
+            <p:ph type="sldNum" sz="quarter" idx="12"/>
+          </p:nvPr>
+        </p:nvSpPr>
+        <p:spPr/>
+        <p:txBody>
+          <a:bodyPr/>
+          <a:lstStyle/>
+          <a:p>
+            <a:fld id="{DCC9EDC7-5BEA-49F7-AA4B-BFAA57026DF3}" type="slidenum">
+              <a:rPr lang="hu-HU" smtClean="0"/>
+              <a:t>11</a:t>
+            </a:fld>
+            <a:endParaRPr lang="hu-HU"/>
+          </a:p>
+        </p:txBody>
+      </p:sp>
+      <p:pic>
+        <p:nvPicPr>
+          <p:cNvPr id="5" name="Picture 4">
+            <a:extLst>
+              <a:ext uri="{FF2B5EF4-FFF2-40B4-BE49-F238E27FC236}">
+                <a16:creationId xmlns:a16="http://schemas.microsoft.com/office/drawing/2014/main" id="{A39B60B3-2A38-122F-4FCF-1FACF807C2CF}"/>
+              </a:ext>
+            </a:extLst>
+          </p:cNvPr>
+          <p:cNvPicPr>
+            <a:picLocks noChangeAspect="1"/>
+          </p:cNvPicPr>
+          <p:nvPr/>
+        </p:nvPicPr>
+        <p:blipFill>
+          <a:blip r:embed="rId2"/>
+          <a:stretch>
+            <a:fillRect/>
+          </a:stretch>
+        </p:blipFill>
+        <p:spPr>
+          <a:xfrm>
+            <a:off x="5400578" y="2579682"/>
+            <a:ext cx="1390844" cy="514422"/>
+          </a:xfrm>
+          <a:prstGeom prst="rect">
+            <a:avLst/>
+          </a:prstGeom>
+        </p:spPr>
+      </p:pic>
+      <p:pic>
+        <p:nvPicPr>
+          <p:cNvPr id="6" name="Picture 5">
+            <a:extLst>
+              <a:ext uri="{FF2B5EF4-FFF2-40B4-BE49-F238E27FC236}">
+                <a16:creationId xmlns:a16="http://schemas.microsoft.com/office/drawing/2014/main" id="{33D5053B-8CCC-7769-01E5-4147FADF223B}"/>
+              </a:ext>
+            </a:extLst>
+          </p:cNvPr>
+          <p:cNvPicPr>
+            <a:picLocks noChangeAspect="1"/>
+          </p:cNvPicPr>
+          <p:nvPr/>
+        </p:nvPicPr>
+        <p:blipFill>
+          <a:blip r:embed="rId3"/>
+          <a:stretch>
+            <a:fillRect/>
+          </a:stretch>
+        </p:blipFill>
+        <p:spPr>
+          <a:xfrm>
+            <a:off x="1606859" y="3350816"/>
+            <a:ext cx="8673726" cy="1439242"/>
+          </a:xfrm>
+          <a:prstGeom prst="rect">
+            <a:avLst/>
+          </a:prstGeom>
+        </p:spPr>
+      </p:pic>
+      <p:pic>
+        <p:nvPicPr>
+          <p:cNvPr id="8" name="Picture 7">
+            <a:extLst>
+              <a:ext uri="{FF2B5EF4-FFF2-40B4-BE49-F238E27FC236}">
+                <a16:creationId xmlns:a16="http://schemas.microsoft.com/office/drawing/2014/main" id="{AC393B23-5CAB-CFC0-EFCC-A4C5612F4753}"/>
+              </a:ext>
+            </a:extLst>
+          </p:cNvPr>
+          <p:cNvPicPr>
+            <a:picLocks noChangeAspect="1"/>
+          </p:cNvPicPr>
+          <p:nvPr/>
+        </p:nvPicPr>
+        <p:blipFill>
+          <a:blip r:embed="rId4"/>
+          <a:stretch>
+            <a:fillRect/>
+          </a:stretch>
+        </p:blipFill>
+        <p:spPr>
+          <a:xfrm>
+            <a:off x="3844308" y="4842004"/>
+            <a:ext cx="4503384" cy="1613342"/>
+          </a:xfrm>
+          <a:prstGeom prst="rect">
+            <a:avLst/>
+          </a:prstGeom>
+        </p:spPr>
+      </p:pic>
+    </p:spTree>
+    <p:extLst>
+      <p:ext uri="{BB962C8B-B14F-4D97-AF65-F5344CB8AC3E}">
+        <p14:creationId xmlns:p14="http://schemas.microsoft.com/office/powerpoint/2010/main" val="3265017864"/>
+      </p:ext>
+    </p:extLst>
+  </p:cSld>
+  <p:clrMapOvr>
+    <a:masterClrMapping/>
+  </p:clrMapOvr>
+</p:sld>
+</file>
+
+<file path=ppt/slides/slide12.xml><?xml version="1.0" encoding="utf-8"?>
+<p:sld xmlns:a="http://schemas.openxmlformats.org/drawingml/2006/main" xmlns:r="http://schemas.openxmlformats.org/officeDocument/2006/relationships" xmlns:p="http://schemas.openxmlformats.org/presentationml/2006/main">
+  <p:cSld>
+    <p:spTree>
+      <p:nvGrpSpPr>
+        <p:cNvPr id="1" name=""/>
+        <p:cNvGrpSpPr/>
+        <p:nvPr/>
+      </p:nvGrpSpPr>
+      <p:grpSpPr>
+        <a:xfrm>
+          <a:off x="0" y="0"/>
+          <a:ext cx="0" cy="0"/>
+          <a:chOff x="0" y="0"/>
+          <a:chExt cx="0" cy="0"/>
+        </a:xfrm>
+      </p:grpSpPr>
+      <p:sp>
+        <p:nvSpPr>
+          <p:cNvPr id="2" name="Title 1">
+            <a:extLst>
+              <a:ext uri="{FF2B5EF4-FFF2-40B4-BE49-F238E27FC236}">
+                <a16:creationId xmlns:a16="http://schemas.microsoft.com/office/drawing/2014/main" id="{BFBC8B5E-3955-E9A9-87BB-656AEA4E4BF2}"/>
+              </a:ext>
+            </a:extLst>
+          </p:cNvPr>
+          <p:cNvSpPr>
+            <a:spLocks noGrp="1"/>
+          </p:cNvSpPr>
+          <p:nvPr>
+            <p:ph type="title"/>
+          </p:nvPr>
+        </p:nvSpPr>
+        <p:spPr/>
+        <p:txBody>
+          <a:bodyPr/>
+          <a:lstStyle/>
+          <a:p>
+            <a:r>
+              <a:rPr lang="hu-HU" dirty="0"/>
+              <a:t>Lineáris egyenletrendszer megoldása – Alkalmazási területek</a:t>
+            </a:r>
+          </a:p>
+        </p:txBody>
+      </p:sp>
+      <p:sp>
+        <p:nvSpPr>
+          <p:cNvPr id="3" name="Content Placeholder 2">
+            <a:extLst>
+              <a:ext uri="{FF2B5EF4-FFF2-40B4-BE49-F238E27FC236}">
+                <a16:creationId xmlns:a16="http://schemas.microsoft.com/office/drawing/2014/main" id="{37806809-B5ED-0CF8-687A-B6A8F39D0A2F}"/>
+              </a:ext>
+            </a:extLst>
+          </p:cNvPr>
+          <p:cNvSpPr>
+            <a:spLocks noGrp="1"/>
+          </p:cNvSpPr>
+          <p:nvPr>
+            <p:ph idx="1"/>
+          </p:nvPr>
+        </p:nvSpPr>
+        <p:spPr/>
+        <p:txBody>
+          <a:bodyPr/>
+          <a:lstStyle/>
+          <a:p>
+            <a:r>
+              <a:rPr lang="hu-HU" dirty="0"/>
+              <a:t>Lineáris egyenletrendszerek megoldása - Legkisebb négyzetek módszere</a:t>
+            </a:r>
+          </a:p>
+          <a:p>
+            <a:r>
+              <a:rPr lang="hu-HU" dirty="0"/>
+              <a:t>Nem lineáris több változós függvények minimalizálása kvázi Newton módszerrel</a:t>
+            </a:r>
+          </a:p>
+          <a:p>
+            <a:r>
+              <a:rPr lang="hu-HU" dirty="0"/>
+              <a:t>Monte Carlo szimuláció</a:t>
+            </a:r>
+          </a:p>
+          <a:p>
+            <a:pPr lvl="1"/>
+            <a:r>
+              <a:rPr lang="hu-HU" dirty="0"/>
+              <a:t>Olyan rendszer leíársa amiben több összefüggő változót kell kezelnünk.</a:t>
+            </a:r>
+          </a:p>
+          <a:p>
+            <a:r>
+              <a:rPr lang="hu-HU" dirty="0"/>
+              <a:t>Kalman-szűrő</a:t>
+            </a:r>
+          </a:p>
+          <a:p>
+            <a:pPr lvl="1"/>
+            <a:r>
+              <a:rPr lang="hu-HU" dirty="0">
+                <a:solidFill>
+                  <a:srgbClr val="202122"/>
+                </a:solidFill>
+                <a:latin typeface="Arial" panose="020B0604020202020204" pitchFamily="34" charset="0"/>
+              </a:rPr>
+              <a:t>M</a:t>
+            </a:r>
+            <a:r>
+              <a:rPr lang="hu-HU" b="0" i="0" dirty="0">
+                <a:solidFill>
+                  <a:srgbClr val="202122"/>
+                </a:solidFill>
+                <a:effectLst/>
+                <a:latin typeface="Arial" panose="020B0604020202020204" pitchFamily="34" charset="0"/>
+              </a:rPr>
+              <a:t>ozgó, változó rendszerek állapotáról ad optimális becslést sorozatos mérésekkel, figyelembe véve az állapotméréseket és a zavaró tényezőket (zajok, bizonytalanságok, pontatlanságok).</a:t>
+            </a:r>
+            <a:endParaRPr lang="hu-HU" dirty="0"/>
+          </a:p>
+          <a:p>
+            <a:endParaRPr lang="hu-HU" b="0" dirty="0"/>
+          </a:p>
+          <a:p>
+            <a:endParaRPr lang="hu-HU" b="0" dirty="0"/>
+          </a:p>
+          <a:p>
+            <a:endParaRPr lang="hu-HU" dirty="0"/>
+          </a:p>
+        </p:txBody>
+      </p:sp>
+      <p:sp>
+        <p:nvSpPr>
+          <p:cNvPr id="4" name="Slide Number Placeholder 3">
+            <a:extLst>
+              <a:ext uri="{FF2B5EF4-FFF2-40B4-BE49-F238E27FC236}">
+                <a16:creationId xmlns:a16="http://schemas.microsoft.com/office/drawing/2014/main" id="{C2A064C7-E67E-41FD-8F0E-5160CF7A4DB5}"/>
+              </a:ext>
+            </a:extLst>
+          </p:cNvPr>
+          <p:cNvSpPr>
+            <a:spLocks noGrp="1"/>
+          </p:cNvSpPr>
+          <p:nvPr>
+            <p:ph type="sldNum" sz="quarter" idx="12"/>
+          </p:nvPr>
+        </p:nvSpPr>
+        <p:spPr/>
+        <p:txBody>
+          <a:bodyPr/>
+          <a:lstStyle/>
+          <a:p>
+            <a:fld id="{DCC9EDC7-5BEA-49F7-AA4B-BFAA57026DF3}" type="slidenum">
+              <a:rPr lang="hu-HU" smtClean="0"/>
+              <a:t>12</a:t>
+            </a:fld>
+            <a:endParaRPr lang="hu-HU"/>
+          </a:p>
+        </p:txBody>
+      </p:sp>
+    </p:spTree>
+    <p:extLst>
+      <p:ext uri="{BB962C8B-B14F-4D97-AF65-F5344CB8AC3E}">
+        <p14:creationId xmlns:p14="http://schemas.microsoft.com/office/powerpoint/2010/main" val="2172142638"/>
+      </p:ext>
+    </p:extLst>
+  </p:cSld>
+  <p:clrMapOvr>
+    <a:masterClrMapping/>
+  </p:clrMapOvr>
+</p:sld>
+</file>
+
+<file path=ppt/slides/slide13.xml><?xml version="1.0" encoding="utf-8"?>
+<p:sld xmlns:a="http://schemas.openxmlformats.org/drawingml/2006/main" xmlns:r="http://schemas.openxmlformats.org/officeDocument/2006/relationships" xmlns:p="http://schemas.openxmlformats.org/presentationml/2006/main">
+  <p:cSld>
+    <p:spTree>
+      <p:nvGrpSpPr>
+        <p:cNvPr id="1" name=""/>
+        <p:cNvGrpSpPr/>
+        <p:nvPr/>
+      </p:nvGrpSpPr>
+      <p:grpSpPr>
+        <a:xfrm>
+          <a:off x="0" y="0"/>
+          <a:ext cx="0" cy="0"/>
+          <a:chOff x="0" y="0"/>
+          <a:chExt cx="0" cy="0"/>
+        </a:xfrm>
+      </p:grpSpPr>
+      <p:sp>
+        <p:nvSpPr>
+          <p:cNvPr id="2" name="Title 1">
+            <a:extLst>
+              <a:ext uri="{FF2B5EF4-FFF2-40B4-BE49-F238E27FC236}">
+                <a16:creationId xmlns:a16="http://schemas.microsoft.com/office/drawing/2014/main" id="{B9A1EBAB-B919-FE52-BE22-42BDD345F3BC}"/>
+              </a:ext>
+            </a:extLst>
+          </p:cNvPr>
+          <p:cNvSpPr>
+            <a:spLocks noGrp="1"/>
+          </p:cNvSpPr>
+          <p:nvPr>
+            <p:ph type="title"/>
+          </p:nvPr>
+        </p:nvSpPr>
+        <p:spPr>
+          <a:xfrm>
+            <a:off x="2077021" y="2624328"/>
+            <a:ext cx="8037957" cy="1609344"/>
+          </a:xfrm>
+        </p:spPr>
+        <p:txBody>
+          <a:bodyPr/>
+          <a:lstStyle/>
+          <a:p>
+            <a:r>
+              <a:rPr lang="hu-HU" dirty="0"/>
+              <a:t>Köszönjük szépen a figyelmet!</a:t>
+            </a:r>
+          </a:p>
+        </p:txBody>
+      </p:sp>
+      <p:sp>
+        <p:nvSpPr>
+          <p:cNvPr id="3" name="Content Placeholder 2">
+            <a:extLst>
+              <a:ext uri="{FF2B5EF4-FFF2-40B4-BE49-F238E27FC236}">
+                <a16:creationId xmlns:a16="http://schemas.microsoft.com/office/drawing/2014/main" id="{5ECA1D8B-6F09-4BC3-9B54-363193258CA5}"/>
+              </a:ext>
+            </a:extLst>
+          </p:cNvPr>
+          <p:cNvSpPr>
+            <a:spLocks noGrp="1"/>
+          </p:cNvSpPr>
+          <p:nvPr>
+            <p:ph idx="1"/>
+          </p:nvPr>
+        </p:nvSpPr>
+        <p:spPr/>
+        <p:txBody>
+          <a:bodyPr/>
+          <a:lstStyle/>
+          <a:p>
+            <a:endParaRPr lang="hu-HU"/>
+          </a:p>
+        </p:txBody>
+      </p:sp>
+      <p:sp>
+        <p:nvSpPr>
+          <p:cNvPr id="4" name="Slide Number Placeholder 3">
+            <a:extLst>
+              <a:ext uri="{FF2B5EF4-FFF2-40B4-BE49-F238E27FC236}">
+                <a16:creationId xmlns:a16="http://schemas.microsoft.com/office/drawing/2014/main" id="{5B916DF8-3F81-3F33-C5C8-AF05B6FCEB7D}"/>
+              </a:ext>
+            </a:extLst>
+          </p:cNvPr>
+          <p:cNvSpPr>
+            <a:spLocks noGrp="1"/>
+          </p:cNvSpPr>
+          <p:nvPr>
+            <p:ph type="sldNum" sz="quarter" idx="12"/>
+          </p:nvPr>
+        </p:nvSpPr>
+        <p:spPr/>
+        <p:txBody>
+          <a:bodyPr/>
+          <a:lstStyle/>
+          <a:p>
+            <a:fld id="{DCC9EDC7-5BEA-49F7-AA4B-BFAA57026DF3}" type="slidenum">
+              <a:rPr lang="hu-HU" smtClean="0"/>
+              <a:t>13</a:t>
+            </a:fld>
+            <a:endParaRPr lang="hu-HU"/>
+          </a:p>
+        </p:txBody>
+      </p:sp>
+    </p:spTree>
+    <p:extLst>
+      <p:ext uri="{BB962C8B-B14F-4D97-AF65-F5344CB8AC3E}">
+        <p14:creationId xmlns:p14="http://schemas.microsoft.com/office/powerpoint/2010/main" val="3076796643"/>
       </p:ext>
     </p:extLst>
   </p:cSld>
@@ -4610,11 +5356,32 @@
           <a:p>
             <a:r>
               <a:rPr lang="hu-HU" dirty="0"/>
-              <a:t>LU felbontás</a:t>
-            </a:r>
-          </a:p>
-          <a:p>
-            <a:endParaRPr lang="hu-HU" dirty="0"/>
+              <a:t>LU/PLU felbontás</a:t>
+            </a:r>
+          </a:p>
+          <a:p>
+            <a:r>
+              <a:rPr lang="hu-HU" dirty="0"/>
+              <a:t>LDU felbontás</a:t>
+            </a:r>
+          </a:p>
+          <a:p>
+            <a:r>
+              <a:rPr lang="hu-HU" dirty="0"/>
+              <a:t>Cholesky felbontás</a:t>
+            </a:r>
+          </a:p>
+          <a:p>
+            <a:r>
+              <a:rPr lang="hu-HU" dirty="0"/>
+              <a:t>LDL* felbontás</a:t>
+            </a:r>
+          </a:p>
+          <a:p>
+            <a:r>
+              <a:rPr lang="hu-HU" dirty="0"/>
+              <a:t>Alkalmazási területek</a:t>
+            </a:r>
           </a:p>
         </p:txBody>
       </p:sp>
@@ -5343,8 +6110,8 @@
           </a:p>
         </p:txBody>
       </p:sp>
-      <mc:AlternateContent xmlns:mc="http://schemas.openxmlformats.org/markup-compatibility/2006">
-        <mc:Choice xmlns:a14="http://schemas.microsoft.com/office/drawing/2010/main" Requires="a14">
+      <mc:AlternateContent xmlns:mc="http://schemas.openxmlformats.org/markup-compatibility/2006" xmlns:a14="http://schemas.microsoft.com/office/drawing/2010/main">
+        <mc:Choice Requires="a14">
           <p:sp>
             <p:nvSpPr>
               <p:cNvPr id="3" name="Content Placeholder 2">
@@ -5653,7 +6420,13 @@
                                   <a:rPr lang="hu-HU" b="0" i="1" smtClean="0">
                                     <a:latin typeface="Cambria Math" panose="02040503050406030204" pitchFamily="18" charset="0"/>
                                   </a:rPr>
-                                  <m:t>−1</m:t>
+                                  <m:t>−</m:t>
+                                </m:r>
+                                <m:r>
+                                  <a:rPr lang="hu-HU" b="0" i="1" smtClean="0">
+                                    <a:latin typeface="Cambria Math" panose="02040503050406030204" pitchFamily="18" charset="0"/>
+                                  </a:rPr>
+                                  <m:t>1</m:t>
                                 </m:r>
                               </m:e>
                             </m:mr>
@@ -5688,7 +6461,7 @@
             </p:txBody>
           </p:sp>
         </mc:Choice>
-        <mc:Fallback>
+        <mc:Fallback xmlns="">
           <p:sp>
             <p:nvSpPr>
               <p:cNvPr id="3" name="Content Placeholder 2">
@@ -5889,7 +6662,7 @@
           <a:p>
             <a:r>
               <a:rPr lang="hu-HU" dirty="0"/>
-              <a:t>Lineáris egyenletrendszer megoldása – LU felbontás</a:t>
+              <a:t>Lineáris egyenletrendszer megoldása – LU/PLU felbontás</a:t>
             </a:r>
           </a:p>
         </p:txBody>
@@ -5919,7 +6692,7 @@
               <a:p>
                 <a:r>
                   <a:rPr lang="hu-HU" dirty="0"/>
-                  <a:t>Az eljárás során az együttható mátrixot felbontjuk egy alsó és egy felső trianguláris mátrixra majd két lépésben  megoldjuk az egyenletrendszert.</a:t>
+                  <a:t>Az eljárás során az együttható mátrixot felbontjuk egy alsó és egy felső trianguláris mátrixra majd két lépésben  megoldjuk az egyenletrendszert, ha közben sorcserére lenne szükség akkor a P mátrix sorait felcserélve jegyezzük azokat.</a:t>
                 </a:r>
               </a:p>
               <a:p>
@@ -6030,13 +6803,7 @@
                         <a:rPr lang="hu-HU" b="0" i="1" smtClean="0">
                           <a:latin typeface="Cambria Math" panose="02040503050406030204" pitchFamily="18" charset="0"/>
                         </a:rPr>
-                        <m:t>𝐿𝑈</m:t>
-                      </m:r>
-                      <m:r>
-                        <a:rPr lang="hu-HU" b="0" i="1" smtClean="0">
-                          <a:latin typeface="Cambria Math" panose="02040503050406030204" pitchFamily="18" charset="0"/>
-                        </a:rPr>
-                        <m:t>𝑥</m:t>
+                        <m:t>𝐿𝑈𝑥</m:t>
                       </m:r>
                       <m:r>
                         <a:rPr lang="hu-HU" b="0" i="1" smtClean="0">
@@ -6293,8 +7060,8 @@
           </a:p>
         </p:txBody>
       </p:sp>
-      <mc:AlternateContent xmlns:mc="http://schemas.openxmlformats.org/markup-compatibility/2006">
-        <mc:Choice xmlns:a14="http://schemas.microsoft.com/office/drawing/2010/main" Requires="a14">
+      <mc:AlternateContent xmlns:mc="http://schemas.openxmlformats.org/markup-compatibility/2006" xmlns:a14="http://schemas.microsoft.com/office/drawing/2010/main">
+        <mc:Choice Requires="a14">
           <p:sp>
             <p:nvSpPr>
               <p:cNvPr id="3" name="Content Placeholder 2">
@@ -6864,7 +7631,13 @@
                                   <a:rPr lang="hu-HU" b="0" i="1" dirty="0" smtClean="0">
                                     <a:latin typeface="Cambria Math" panose="02040503050406030204" pitchFamily="18" charset="0"/>
                                   </a:rPr>
-                                  <m:t>−1</m:t>
+                                  <m:t>−</m:t>
+                                </m:r>
+                                <m:r>
+                                  <a:rPr lang="hu-HU" b="0" i="1" dirty="0" smtClean="0">
+                                    <a:latin typeface="Cambria Math" panose="02040503050406030204" pitchFamily="18" charset="0"/>
+                                  </a:rPr>
+                                  <m:t>1</m:t>
                                 </m:r>
                               </m:e>
                             </m:mr>
@@ -6905,7 +7678,7 @@
             </p:txBody>
           </p:sp>
         </mc:Choice>
-        <mc:Fallback>
+        <mc:Fallback xmlns="">
           <p:sp>
             <p:nvSpPr>
               <p:cNvPr id="3" name="Content Placeholder 2">
@@ -7137,7 +7910,7 @@
           <p:cNvPr id="2" name="Title 1">
             <a:extLst>
               <a:ext uri="{FF2B5EF4-FFF2-40B4-BE49-F238E27FC236}">
-                <a16:creationId xmlns:a16="http://schemas.microsoft.com/office/drawing/2014/main" id="{B9A1EBAB-B919-FE52-BE22-42BDD345F3BC}"/>
+                <a16:creationId xmlns:a16="http://schemas.microsoft.com/office/drawing/2014/main" id="{BFBC8B5E-3955-E9A9-87BB-656AEA4E4BF2}"/>
               </a:ext>
             </a:extLst>
           </p:cNvPr>
@@ -7148,19 +7921,14 @@
             <p:ph type="title"/>
           </p:nvPr>
         </p:nvSpPr>
-        <p:spPr>
-          <a:xfrm>
-            <a:off x="2077021" y="2624328"/>
-            <a:ext cx="8037957" cy="1609344"/>
-          </a:xfrm>
-        </p:spPr>
+        <p:spPr/>
         <p:txBody>
           <a:bodyPr/>
           <a:lstStyle/>
           <a:p>
             <a:r>
               <a:rPr lang="hu-HU" dirty="0"/>
-              <a:t>Köszönjük szépen a figyelmet!</a:t>
+              <a:t>Lineáris egyenletrendszer megoldása – LUD felbontás</a:t>
             </a:r>
           </a:p>
         </p:txBody>
@@ -7170,7 +7938,7 @@
           <p:cNvPr id="3" name="Content Placeholder 2">
             <a:extLst>
               <a:ext uri="{FF2B5EF4-FFF2-40B4-BE49-F238E27FC236}">
-                <a16:creationId xmlns:a16="http://schemas.microsoft.com/office/drawing/2014/main" id="{5ECA1D8B-6F09-4BC3-9B54-363193258CA5}"/>
+                <a16:creationId xmlns:a16="http://schemas.microsoft.com/office/drawing/2014/main" id="{37806809-B5ED-0CF8-687A-B6A8F39D0A2F}"/>
               </a:ext>
             </a:extLst>
           </p:cNvPr>
@@ -7186,7 +7954,31 @@
           <a:bodyPr/>
           <a:lstStyle/>
           <a:p>
-            <a:endParaRPr lang="hu-HU"/>
+            <a:r>
+              <a:rPr lang="hu-HU" dirty="0"/>
+              <a:t>Az eljárás során az együttható mátrixot felbontjuk egyedi módon egy alsó és egy felső trianguláris mátrixra.</a:t>
+            </a:r>
+          </a:p>
+          <a:p>
+            <a:endParaRPr lang="hu-HU" dirty="0"/>
+          </a:p>
+          <a:p>
+            <a:endParaRPr lang="hu-HU" dirty="0"/>
+          </a:p>
+          <a:p>
+            <a:endParaRPr lang="hu-HU" dirty="0"/>
+          </a:p>
+          <a:p>
+            <a:endParaRPr lang="hu-HU" dirty="0"/>
+          </a:p>
+          <a:p>
+            <a:endParaRPr lang="hu-HU" b="0" dirty="0"/>
+          </a:p>
+          <a:p>
+            <a:endParaRPr lang="hu-HU" b="0" dirty="0"/>
+          </a:p>
+          <a:p>
+            <a:endParaRPr lang="hu-HU" dirty="0"/>
           </a:p>
         </p:txBody>
       </p:sp>
@@ -7195,7 +7987,7 @@
           <p:cNvPr id="4" name="Slide Number Placeholder 3">
             <a:extLst>
               <a:ext uri="{FF2B5EF4-FFF2-40B4-BE49-F238E27FC236}">
-                <a16:creationId xmlns:a16="http://schemas.microsoft.com/office/drawing/2014/main" id="{5B916DF8-3F81-3F33-C5C8-AF05B6FCEB7D}"/>
+                <a16:creationId xmlns:a16="http://schemas.microsoft.com/office/drawing/2014/main" id="{C2A064C7-E67E-41FD-8F0E-5160CF7A4DB5}"/>
               </a:ext>
             </a:extLst>
           </p:cNvPr>
@@ -7219,10 +8011,130 @@
           </a:p>
         </p:txBody>
       </p:sp>
+      <p:pic>
+        <p:nvPicPr>
+          <p:cNvPr id="6" name="Picture 5">
+            <a:extLst>
+              <a:ext uri="{FF2B5EF4-FFF2-40B4-BE49-F238E27FC236}">
+                <a16:creationId xmlns:a16="http://schemas.microsoft.com/office/drawing/2014/main" id="{7940A8AD-3477-53B3-398C-E450C65E4D2B}"/>
+              </a:ext>
+            </a:extLst>
+          </p:cNvPr>
+          <p:cNvPicPr>
+            <a:picLocks noChangeAspect="1"/>
+          </p:cNvPicPr>
+          <p:nvPr/>
+        </p:nvPicPr>
+        <p:blipFill>
+          <a:blip r:embed="rId2"/>
+          <a:stretch>
+            <a:fillRect/>
+          </a:stretch>
+        </p:blipFill>
+        <p:spPr>
+          <a:xfrm>
+            <a:off x="4063139" y="2753789"/>
+            <a:ext cx="4039164" cy="1381318"/>
+          </a:xfrm>
+          <a:prstGeom prst="rect">
+            <a:avLst/>
+          </a:prstGeom>
+        </p:spPr>
+      </p:pic>
+      <p:pic>
+        <p:nvPicPr>
+          <p:cNvPr id="8" name="Picture 7">
+            <a:extLst>
+              <a:ext uri="{FF2B5EF4-FFF2-40B4-BE49-F238E27FC236}">
+                <a16:creationId xmlns:a16="http://schemas.microsoft.com/office/drawing/2014/main" id="{ADBC5530-A5B4-5156-824C-E711EB50F618}"/>
+              </a:ext>
+            </a:extLst>
+          </p:cNvPr>
+          <p:cNvPicPr>
+            <a:picLocks noChangeAspect="1"/>
+          </p:cNvPicPr>
+          <p:nvPr/>
+        </p:nvPicPr>
+        <p:blipFill>
+          <a:blip r:embed="rId3"/>
+          <a:stretch>
+            <a:fillRect/>
+          </a:stretch>
+        </p:blipFill>
+        <p:spPr>
+          <a:xfrm>
+            <a:off x="1057656" y="4162539"/>
+            <a:ext cx="10064496" cy="628630"/>
+          </a:xfrm>
+          <a:prstGeom prst="rect">
+            <a:avLst/>
+          </a:prstGeom>
+        </p:spPr>
+      </p:pic>
+      <p:pic>
+        <p:nvPicPr>
+          <p:cNvPr id="10" name="Picture 9">
+            <a:extLst>
+              <a:ext uri="{FF2B5EF4-FFF2-40B4-BE49-F238E27FC236}">
+                <a16:creationId xmlns:a16="http://schemas.microsoft.com/office/drawing/2014/main" id="{891AC7CB-8FAF-5C8C-2971-7FE82858E251}"/>
+              </a:ext>
+            </a:extLst>
+          </p:cNvPr>
+          <p:cNvPicPr>
+            <a:picLocks noChangeAspect="1"/>
+          </p:cNvPicPr>
+          <p:nvPr/>
+        </p:nvPicPr>
+        <p:blipFill>
+          <a:blip r:embed="rId4"/>
+          <a:stretch>
+            <a:fillRect/>
+          </a:stretch>
+        </p:blipFill>
+        <p:spPr>
+          <a:xfrm>
+            <a:off x="5098783" y="5119683"/>
+            <a:ext cx="2000529" cy="362001"/>
+          </a:xfrm>
+          <a:prstGeom prst="rect">
+            <a:avLst/>
+          </a:prstGeom>
+        </p:spPr>
+      </p:pic>
+      <p:pic>
+        <p:nvPicPr>
+          <p:cNvPr id="12" name="Picture 11">
+            <a:extLst>
+              <a:ext uri="{FF2B5EF4-FFF2-40B4-BE49-F238E27FC236}">
+                <a16:creationId xmlns:a16="http://schemas.microsoft.com/office/drawing/2014/main" id="{894B35A6-927B-6628-1899-A666212D1EAF}"/>
+              </a:ext>
+            </a:extLst>
+          </p:cNvPr>
+          <p:cNvPicPr>
+            <a:picLocks noChangeAspect="1"/>
+          </p:cNvPicPr>
+          <p:nvPr/>
+        </p:nvPicPr>
+        <p:blipFill>
+          <a:blip r:embed="rId5"/>
+          <a:stretch>
+            <a:fillRect/>
+          </a:stretch>
+        </p:blipFill>
+        <p:spPr>
+          <a:xfrm>
+            <a:off x="4717729" y="5567276"/>
+            <a:ext cx="2762636" cy="485843"/>
+          </a:xfrm>
+          <a:prstGeom prst="rect">
+            <a:avLst/>
+          </a:prstGeom>
+        </p:spPr>
+      </p:pic>
     </p:spTree>
     <p:extLst>
       <p:ext uri="{BB962C8B-B14F-4D97-AF65-F5344CB8AC3E}">
-        <p14:creationId xmlns:p14="http://schemas.microsoft.com/office/powerpoint/2010/main" val="3076796643"/>
+        <p14:creationId xmlns:p14="http://schemas.microsoft.com/office/powerpoint/2010/main" val="3153096914"/>
       </p:ext>
     </p:extLst>
   </p:cSld>
